--- a/파워포인트.pptx
+++ b/파워포인트.pptx
@@ -17,9 +17,11 @@
     <p:sldId id="269" r:id="rId11"/>
     <p:sldId id="273" r:id="rId12"/>
     <p:sldId id="274" r:id="rId13"/>
-    <p:sldId id="267" r:id="rId14"/>
-    <p:sldId id="275" r:id="rId15"/>
-    <p:sldId id="278" r:id="rId16"/>
+    <p:sldId id="281" r:id="rId14"/>
+    <p:sldId id="267" r:id="rId15"/>
+    <p:sldId id="275" r:id="rId16"/>
+    <p:sldId id="278" r:id="rId17"/>
+    <p:sldId id="280" r:id="rId18"/>
   </p:sldIdLst>
   <p:sldSz cx="12192000" cy="6858000"/>
   <p:notesSz cx="6858000" cy="9144000"/>
@@ -284,7 +286,7 @@
           <a:p>
             <a:fld id="{D81F6A0F-3B97-4D8F-957A-977AD0ADBB82}" type="datetimeFigureOut">
               <a:rPr lang="ko-KR" altLang="en-US" smtClean="0"/>
-              <a:t>2023-05-12</a:t>
+              <a:t>2023-05-13</a:t>
             </a:fld>
             <a:endParaRPr lang="ko-KR" altLang="en-US"/>
           </a:p>
@@ -572,7 +574,7 @@
           <a:p>
             <a:fld id="{D81F6A0F-3B97-4D8F-957A-977AD0ADBB82}" type="datetimeFigureOut">
               <a:rPr lang="ko-KR" altLang="en-US" smtClean="0"/>
-              <a:t>2023-05-12</a:t>
+              <a:t>2023-05-13</a:t>
             </a:fld>
             <a:endParaRPr lang="ko-KR" altLang="en-US"/>
           </a:p>
@@ -770,7 +772,7 @@
           <a:p>
             <a:fld id="{D81F6A0F-3B97-4D8F-957A-977AD0ADBB82}" type="datetimeFigureOut">
               <a:rPr lang="ko-KR" altLang="en-US" smtClean="0"/>
-              <a:t>2023-05-12</a:t>
+              <a:t>2023-05-13</a:t>
             </a:fld>
             <a:endParaRPr lang="ko-KR" altLang="en-US"/>
           </a:p>
@@ -978,7 +980,7 @@
           <a:p>
             <a:fld id="{D81F6A0F-3B97-4D8F-957A-977AD0ADBB82}" type="datetimeFigureOut">
               <a:rPr lang="ko-KR" altLang="en-US" smtClean="0"/>
-              <a:t>2023-05-12</a:t>
+              <a:t>2023-05-13</a:t>
             </a:fld>
             <a:endParaRPr lang="ko-KR" altLang="en-US"/>
           </a:p>
@@ -1176,7 +1178,7 @@
           <a:p>
             <a:fld id="{D81F6A0F-3B97-4D8F-957A-977AD0ADBB82}" type="datetimeFigureOut">
               <a:rPr lang="ko-KR" altLang="en-US" smtClean="0"/>
-              <a:t>2023-05-12</a:t>
+              <a:t>2023-05-13</a:t>
             </a:fld>
             <a:endParaRPr lang="ko-KR" altLang="en-US"/>
           </a:p>
@@ -1451,7 +1453,7 @@
           <a:p>
             <a:fld id="{D81F6A0F-3B97-4D8F-957A-977AD0ADBB82}" type="datetimeFigureOut">
               <a:rPr lang="ko-KR" altLang="en-US" smtClean="0"/>
-              <a:t>2023-05-12</a:t>
+              <a:t>2023-05-13</a:t>
             </a:fld>
             <a:endParaRPr lang="ko-KR" altLang="en-US"/>
           </a:p>
@@ -1716,7 +1718,7 @@
           <a:p>
             <a:fld id="{D81F6A0F-3B97-4D8F-957A-977AD0ADBB82}" type="datetimeFigureOut">
               <a:rPr lang="ko-KR" altLang="en-US" smtClean="0"/>
-              <a:t>2023-05-12</a:t>
+              <a:t>2023-05-13</a:t>
             </a:fld>
             <a:endParaRPr lang="ko-KR" altLang="en-US"/>
           </a:p>
@@ -2128,7 +2130,7 @@
           <a:p>
             <a:fld id="{D81F6A0F-3B97-4D8F-957A-977AD0ADBB82}" type="datetimeFigureOut">
               <a:rPr lang="ko-KR" altLang="en-US" smtClean="0"/>
-              <a:t>2023-05-12</a:t>
+              <a:t>2023-05-13</a:t>
             </a:fld>
             <a:endParaRPr lang="ko-KR" altLang="en-US"/>
           </a:p>
@@ -2269,7 +2271,7 @@
           <a:p>
             <a:fld id="{D81F6A0F-3B97-4D8F-957A-977AD0ADBB82}" type="datetimeFigureOut">
               <a:rPr lang="ko-KR" altLang="en-US" smtClean="0"/>
-              <a:t>2023-05-12</a:t>
+              <a:t>2023-05-13</a:t>
             </a:fld>
             <a:endParaRPr lang="ko-KR" altLang="en-US"/>
           </a:p>
@@ -2471,7 +2473,7 @@
           <a:p>
             <a:fld id="{D81F6A0F-3B97-4D8F-957A-977AD0ADBB82}" type="datetimeFigureOut">
               <a:rPr lang="ko-KR" altLang="en-US" smtClean="0"/>
-              <a:t>2023-05-12</a:t>
+              <a:t>2023-05-13</a:t>
             </a:fld>
             <a:endParaRPr lang="ko-KR" altLang="en-US"/>
           </a:p>
@@ -2673,7 +2675,7 @@
           <a:p>
             <a:fld id="{D81F6A0F-3B97-4D8F-957A-977AD0ADBB82}" type="datetimeFigureOut">
               <a:rPr lang="ko-KR" altLang="en-US" smtClean="0"/>
-              <a:t>2023-05-12</a:t>
+              <a:t>2023-05-13</a:t>
             </a:fld>
             <a:endParaRPr lang="ko-KR" altLang="en-US"/>
           </a:p>
@@ -2984,7 +2986,7 @@
           <a:p>
             <a:fld id="{D81F6A0F-3B97-4D8F-957A-977AD0ADBB82}" type="datetimeFigureOut">
               <a:rPr lang="ko-KR" altLang="en-US" smtClean="0"/>
-              <a:t>2023-05-12</a:t>
+              <a:t>2023-05-13</a:t>
             </a:fld>
             <a:endParaRPr lang="ko-KR" altLang="en-US"/>
           </a:p>
@@ -3225,7 +3227,7 @@
           <a:p>
             <a:fld id="{D81F6A0F-3B97-4D8F-957A-977AD0ADBB82}" type="datetimeFigureOut">
               <a:rPr lang="ko-KR" altLang="en-US" smtClean="0"/>
-              <a:t>2023-05-12</a:t>
+              <a:t>2023-05-13</a:t>
             </a:fld>
             <a:endParaRPr lang="ko-KR" altLang="en-US"/>
           </a:p>
@@ -5350,9 +5352,33 @@
           <a:chExt cx="0" cy="0"/>
         </a:xfrm>
       </p:grpSpPr>
-      <p:sp>
-        <p:nvSpPr>
-          <p:cNvPr id="4" name="사각형: 둥근 모서리 3">
+      <p:pic>
+        <p:nvPicPr>
+          <p:cNvPr id="2" name="그림 1"/>
+          <p:cNvPicPr>
+            <a:picLocks noChangeAspect="1"/>
+          </p:cNvPicPr>
+          <p:nvPr/>
+        </p:nvPicPr>
+        <p:blipFill>
+          <a:blip r:embed="rId2"/>
+          <a:stretch>
+            <a:fillRect/>
+          </a:stretch>
+        </p:blipFill>
+        <p:spPr>
+          <a:xfrm>
+            <a:off x="425276" y="1371474"/>
+            <a:ext cx="4515480" cy="4848902"/>
+          </a:xfrm>
+          <a:prstGeom prst="rect">
+            <a:avLst/>
+          </a:prstGeom>
+        </p:spPr>
+      </p:pic>
+      <p:sp>
+        <p:nvSpPr>
+          <p:cNvPr id="3" name="사각형: 둥근 모서리 3">
             <a:extLst>
               <a:ext uri="{FF2B5EF4-FFF2-40B4-BE49-F238E27FC236}">
                 <a16:creationId xmlns:a16="http://schemas.microsoft.com/office/drawing/2014/main" id="{25C5E306-7DE0-6306-6847-DB3CD2EC9E70}"/>
@@ -5406,7 +5432,7 @@
       </p:sp>
       <p:sp>
         <p:nvSpPr>
-          <p:cNvPr id="5" name="TextBox 4">
+          <p:cNvPr id="4" name="TextBox 3">
             <a:extLst>
               <a:ext uri="{FF2B5EF4-FFF2-40B4-BE49-F238E27FC236}">
                 <a16:creationId xmlns:a16="http://schemas.microsoft.com/office/drawing/2014/main" id="{E6E6D75F-5329-F9DB-9EDF-00D1B5BDEEE8}"/>
@@ -5419,7 +5445,7 @@
         <p:spPr>
           <a:xfrm>
             <a:off x="1718718" y="335362"/>
-            <a:ext cx="1925527" cy="461665"/>
+            <a:ext cx="2802370" cy="461665"/>
           </a:xfrm>
           <a:prstGeom prst="rect">
             <a:avLst/>
@@ -5433,36 +5459,26 @@
           <a:lstStyle/>
           <a:p>
             <a:r>
-              <a:rPr lang="ko-KR" altLang="en-US" sz="2400" b="1" spc="-150" dirty="0" smtClean="0">
+              <a:rPr lang="en-US" altLang="ko-KR" sz="2400" b="1" spc="-150" dirty="0" smtClean="0">
                 <a:solidFill>
                   <a:schemeClr val="tx1">
                     <a:lumMod val="75000"/>
                   </a:schemeClr>
                 </a:solidFill>
               </a:rPr>
-              <a:t>자바 </a:t>
-            </a:r>
-            <a:r>
-              <a:rPr lang="en-US" altLang="ko-KR" sz="2400" b="1" spc="-150" dirty="0" smtClean="0">
+              <a:t>JAVA CODE delete</a:t>
+            </a:r>
+            <a:r>
+              <a:rPr lang="ko-KR" altLang="en-US" sz="2400" b="1" spc="-150" dirty="0" smtClean="0">
                 <a:solidFill>
                   <a:schemeClr val="tx1">
                     <a:lumMod val="75000"/>
                   </a:schemeClr>
                 </a:solidFill>
               </a:rPr>
-              <a:t>SQL</a:t>
-            </a:r>
-            <a:r>
-              <a:rPr lang="ko-KR" altLang="en-US" sz="2400" b="1" spc="-150" dirty="0" smtClean="0">
-                <a:solidFill>
-                  <a:schemeClr val="tx1">
-                    <a:lumMod val="75000"/>
-                  </a:schemeClr>
-                </a:solidFill>
-              </a:rPr>
-              <a:t>입력</a:t>
-            </a:r>
-            <a:endParaRPr lang="ko-KR" altLang="en-US" sz="2400" b="1" spc="-150" dirty="0">
+              <a:t>문</a:t>
+            </a:r>
+            <a:endParaRPr lang="en-US" altLang="ko-KR" sz="2400" b="1" spc="-150" dirty="0" smtClean="0">
               <a:solidFill>
                 <a:schemeClr val="tx1">
                   <a:lumMod val="75000"/>
@@ -5474,7 +5490,7 @@
       </p:sp>
       <p:sp>
         <p:nvSpPr>
-          <p:cNvPr id="6" name="TextBox 5">
+          <p:cNvPr id="5" name="TextBox 4">
             <a:extLst>
               <a:ext uri="{FF2B5EF4-FFF2-40B4-BE49-F238E27FC236}">
                 <a16:creationId xmlns:a16="http://schemas.microsoft.com/office/drawing/2014/main" id="{6FEC8A33-445F-9CB2-79E6-8435D60F471A}"/>
@@ -5486,8 +5502,8 @@
         </p:nvSpPr>
         <p:spPr>
           <a:xfrm>
-            <a:off x="527358" y="375058"/>
-            <a:ext cx="824265" cy="400110"/>
+            <a:off x="559420" y="375058"/>
+            <a:ext cx="760144" cy="400110"/>
           </a:xfrm>
           <a:prstGeom prst="rect">
             <a:avLst/>
@@ -5511,14 +5527,6 @@
             </a:r>
             <a:r>
               <a:rPr lang="ko-KR" altLang="en-US" sz="2000" b="1" spc="-150" dirty="0">
-                <a:solidFill>
-                  <a:schemeClr val="bg1"/>
-                </a:solidFill>
-              </a:rPr>
-              <a:t> </a:t>
-            </a:r>
-            <a:r>
-              <a:rPr lang="ko-KR" altLang="en-US" sz="2000" b="1" spc="-150" dirty="0" smtClean="0">
                 <a:solidFill>
                   <a:schemeClr val="bg1"/>
                 </a:solidFill>
@@ -5541,297 +5549,9 @@
           </a:p>
         </p:txBody>
       </p:sp>
-      <p:sp>
-        <p:nvSpPr>
-          <p:cNvPr id="9" name="TextBox 8"/>
-          <p:cNvSpPr txBox="1"/>
-          <p:nvPr/>
-        </p:nvSpPr>
-        <p:spPr>
-          <a:xfrm>
-            <a:off x="5994400" y="951345"/>
-            <a:ext cx="5523346" cy="2308324"/>
-          </a:xfrm>
-          <a:prstGeom prst="rect">
-            <a:avLst/>
-          </a:prstGeom>
-          <a:noFill/>
-        </p:spPr>
-        <p:txBody>
-          <a:bodyPr wrap="square" rtlCol="0">
-            <a:spAutoFit/>
-          </a:bodyPr>
-          <a:lstStyle/>
-          <a:p>
-            <a:r>
-              <a:rPr lang="en-US" altLang="ko-KR" sz="1600" dirty="0" err="1" smtClean="0"/>
-              <a:t>Dirver</a:t>
-            </a:r>
-            <a:r>
-              <a:rPr lang="en-US" altLang="ko-KR" sz="1600" dirty="0" smtClean="0"/>
-              <a:t>=</a:t>
-            </a:r>
-            <a:r>
-              <a:rPr lang="ko-KR" altLang="en-US" sz="1600" dirty="0" err="1" smtClean="0"/>
-              <a:t>연결할수있는</a:t>
-            </a:r>
-            <a:r>
-              <a:rPr lang="ko-KR" altLang="en-US" sz="1600" dirty="0" smtClean="0"/>
-              <a:t> 드라이버의 이름과코드저장</a:t>
-            </a:r>
-            <a:endParaRPr lang="en-US" altLang="ko-KR" sz="1600" dirty="0" smtClean="0"/>
-          </a:p>
-          <a:p>
-            <a:r>
-              <a:rPr lang="en-US" altLang="ko-KR" sz="1600" dirty="0" err="1" smtClean="0"/>
-              <a:t>url</a:t>
-            </a:r>
-            <a:r>
-              <a:rPr lang="en-US" altLang="ko-KR" sz="1600" dirty="0" smtClean="0"/>
-              <a:t>=DB</a:t>
-            </a:r>
-            <a:r>
-              <a:rPr lang="ko-KR" altLang="en-US" sz="1600" dirty="0" smtClean="0"/>
-              <a:t>의 </a:t>
-            </a:r>
-            <a:r>
-              <a:rPr lang="en-US" altLang="ko-KR" sz="1600" dirty="0" smtClean="0"/>
-              <a:t>URL</a:t>
-            </a:r>
-            <a:r>
-              <a:rPr lang="ko-KR" altLang="en-US" sz="1600" dirty="0" smtClean="0"/>
-              <a:t>도메인과포트버전을 </a:t>
-            </a:r>
-            <a:r>
-              <a:rPr lang="ko-KR" altLang="en-US" sz="1600" dirty="0" err="1" smtClean="0"/>
-              <a:t>입력해주는것</a:t>
-            </a:r>
-            <a:endParaRPr lang="en-US" altLang="ko-KR" sz="1600" dirty="0" smtClean="0"/>
-          </a:p>
-          <a:p>
-            <a:r>
-              <a:rPr lang="en-US" altLang="ko-KR" sz="1600" dirty="0" smtClean="0"/>
-              <a:t>USER</a:t>
-            </a:r>
-            <a:r>
-              <a:rPr lang="ko-KR" altLang="en-US" sz="1600" dirty="0" smtClean="0"/>
-              <a:t>는 아이디</a:t>
-            </a:r>
-            <a:endParaRPr lang="en-US" altLang="ko-KR" sz="1600" dirty="0" smtClean="0"/>
-          </a:p>
-          <a:p>
-            <a:r>
-              <a:rPr lang="en-US" altLang="ko-KR" sz="1600" dirty="0" smtClean="0"/>
-              <a:t>PWD</a:t>
-            </a:r>
-            <a:r>
-              <a:rPr lang="ko-KR" altLang="en-US" sz="1600" dirty="0" smtClean="0"/>
-              <a:t>는 비밀번호</a:t>
-            </a:r>
-            <a:endParaRPr lang="en-US" altLang="ko-KR" sz="1600" dirty="0" smtClean="0"/>
-          </a:p>
-          <a:p>
-            <a:r>
-              <a:rPr lang="en-US" altLang="ko-KR" sz="1600" dirty="0" smtClean="0"/>
-              <a:t>CONNETION CONN = </a:t>
-            </a:r>
-            <a:r>
-              <a:rPr lang="en-US" altLang="ko-KR" sz="1600" dirty="0" err="1" smtClean="0"/>
-              <a:t>db</a:t>
-            </a:r>
-            <a:r>
-              <a:rPr lang="ko-KR" altLang="en-US" sz="1600" dirty="0" smtClean="0"/>
-              <a:t>와 연결 할 연결객체생성</a:t>
-            </a:r>
-            <a:endParaRPr lang="en-US" altLang="ko-KR" sz="1600" dirty="0" smtClean="0"/>
-          </a:p>
-          <a:p>
-            <a:r>
-              <a:rPr lang="en-US" altLang="ko-KR" sz="1600" dirty="0" smtClean="0"/>
-              <a:t>STATEMNET STMT = </a:t>
-            </a:r>
-            <a:r>
-              <a:rPr lang="ko-KR" altLang="en-US" sz="1600" dirty="0" smtClean="0"/>
-              <a:t>연결 객체 를 인스턴스화하여 객체를 보낼 준비 와 </a:t>
-            </a:r>
-            <a:r>
-              <a:rPr lang="en-US" altLang="ko-KR" sz="1600" dirty="0" err="1" smtClean="0"/>
-              <a:t>api</a:t>
-            </a:r>
-            <a:r>
-              <a:rPr lang="ko-KR" altLang="en-US" sz="1600" dirty="0" err="1" smtClean="0"/>
-              <a:t>를</a:t>
-            </a:r>
-            <a:r>
-              <a:rPr lang="ko-KR" altLang="en-US" sz="1600" dirty="0" smtClean="0"/>
-              <a:t> 담당</a:t>
-            </a:r>
-            <a:endParaRPr lang="en-US" altLang="ko-KR" sz="1600" dirty="0" smtClean="0"/>
-          </a:p>
-          <a:p>
-            <a:r>
-              <a:rPr lang="en-US" altLang="ko-KR" sz="1600" dirty="0" smtClean="0"/>
-              <a:t>RESULTSET RS =</a:t>
-            </a:r>
-            <a:r>
-              <a:rPr lang="ko-KR" altLang="en-US" sz="1600" dirty="0" err="1" smtClean="0"/>
-              <a:t>질의문을</a:t>
-            </a:r>
-            <a:r>
-              <a:rPr lang="ko-KR" altLang="en-US" sz="1600" dirty="0" smtClean="0"/>
-              <a:t> </a:t>
-            </a:r>
-            <a:r>
-              <a:rPr lang="ko-KR" altLang="en-US" sz="1600" dirty="0" err="1" smtClean="0"/>
-              <a:t>썻을때</a:t>
-            </a:r>
-            <a:r>
-              <a:rPr lang="ko-KR" altLang="en-US" sz="1600" dirty="0" smtClean="0"/>
-              <a:t> 그 값에 대한 결과를 받는다</a:t>
-            </a:r>
-            <a:endParaRPr lang="ko-KR" altLang="en-US" sz="1600" dirty="0"/>
-          </a:p>
-        </p:txBody>
-      </p:sp>
-      <p:sp>
-        <p:nvSpPr>
-          <p:cNvPr id="12" name="TextBox 11"/>
-          <p:cNvSpPr txBox="1"/>
-          <p:nvPr/>
-        </p:nvSpPr>
-        <p:spPr>
-          <a:xfrm>
-            <a:off x="8349673" y="4221018"/>
-            <a:ext cx="3916218" cy="1815882"/>
-          </a:xfrm>
-          <a:prstGeom prst="rect">
-            <a:avLst/>
-          </a:prstGeom>
-          <a:noFill/>
-        </p:spPr>
-        <p:txBody>
-          <a:bodyPr wrap="square" rtlCol="0">
-            <a:spAutoFit/>
-          </a:bodyPr>
-          <a:lstStyle/>
-          <a:p>
-            <a:r>
-              <a:rPr lang="en-US" altLang="ko-KR" sz="1600" dirty="0" err="1" smtClean="0"/>
-              <a:t>Class.forname</a:t>
-            </a:r>
-            <a:r>
-              <a:rPr lang="en-US" altLang="ko-KR" sz="1600" dirty="0" smtClean="0"/>
-              <a:t>(driver)</a:t>
-            </a:r>
-            <a:r>
-              <a:rPr lang="ko-KR" altLang="en-US" sz="1600" dirty="0" smtClean="0"/>
-              <a:t>연결할 드라이버 를 찾는다 </a:t>
-            </a:r>
-            <a:r>
-              <a:rPr lang="en-US" altLang="ko-KR" sz="1600" dirty="0" err="1" smtClean="0"/>
-              <a:t>conndrvermanaher.grtconnetion</a:t>
-            </a:r>
-            <a:r>
-              <a:rPr lang="en-US" altLang="ko-KR" sz="1600" dirty="0" smtClean="0"/>
-              <a:t> </a:t>
-            </a:r>
-            <a:r>
-              <a:rPr lang="en-US" altLang="ko-KR" sz="1600" dirty="0" err="1" smtClean="0"/>
-              <a:t>db</a:t>
-            </a:r>
-            <a:r>
-              <a:rPr lang="ko-KR" altLang="en-US" sz="1600" dirty="0" err="1" smtClean="0"/>
-              <a:t>의접속</a:t>
-            </a:r>
-            <a:r>
-              <a:rPr lang="ko-KR" altLang="en-US" sz="1600" dirty="0" smtClean="0"/>
-              <a:t> </a:t>
-            </a:r>
-            <a:r>
-              <a:rPr lang="en-US" altLang="ko-KR" sz="1600" dirty="0" err="1" smtClean="0"/>
-              <a:t>url</a:t>
-            </a:r>
-            <a:r>
-              <a:rPr lang="ko-KR" altLang="en-US" sz="1600" dirty="0" smtClean="0"/>
-              <a:t>과 계정정보를 받고 접속한다</a:t>
-            </a:r>
-            <a:endParaRPr lang="en-US" altLang="ko-KR" sz="1600" dirty="0" smtClean="0"/>
-          </a:p>
-          <a:p>
-            <a:r>
-              <a:rPr lang="en-US" altLang="ko-KR" sz="1600" dirty="0" err="1" smtClean="0"/>
-              <a:t>Stmt.excutQuery:Sring</a:t>
-            </a:r>
-            <a:r>
-              <a:rPr lang="en-US" altLang="ko-KR" sz="1600" dirty="0" smtClean="0"/>
-              <a:t> </a:t>
-            </a:r>
-            <a:r>
-              <a:rPr lang="ko-KR" altLang="en-US" sz="1600" dirty="0" err="1" smtClean="0"/>
-              <a:t>의타입의</a:t>
-            </a:r>
-            <a:r>
-              <a:rPr lang="ko-KR" altLang="en-US" sz="1600" dirty="0" smtClean="0"/>
-              <a:t> 문자열을 </a:t>
-            </a:r>
-            <a:r>
-              <a:rPr lang="ko-KR" altLang="en-US" sz="1600" dirty="0" err="1" smtClean="0"/>
-              <a:t>쿼리문으로</a:t>
-            </a:r>
-            <a:r>
-              <a:rPr lang="ko-KR" altLang="en-US" sz="1600" dirty="0" smtClean="0"/>
-              <a:t> 변화시키고 </a:t>
-            </a:r>
-            <a:r>
-              <a:rPr lang="en-US" altLang="ko-KR" sz="1600" dirty="0" err="1" smtClean="0"/>
-              <a:t>db</a:t>
-            </a:r>
-            <a:r>
-              <a:rPr lang="ko-KR" altLang="en-US" sz="1600" dirty="0" err="1" smtClean="0"/>
-              <a:t>에입력한다</a:t>
-            </a:r>
-            <a:endParaRPr lang="en-US" altLang="ko-KR" sz="1600" dirty="0" smtClean="0"/>
-          </a:p>
-          <a:p>
-            <a:r>
-              <a:rPr lang="ko-KR" altLang="en-US" sz="1600" dirty="0" smtClean="0"/>
-              <a:t>값을  </a:t>
-            </a:r>
-            <a:r>
-              <a:rPr lang="ko-KR" altLang="en-US" sz="1600" dirty="0" err="1" smtClean="0"/>
-              <a:t>리턴한다</a:t>
-            </a:r>
-            <a:endParaRPr lang="ko-KR" altLang="en-US" sz="1600" dirty="0"/>
-          </a:p>
-        </p:txBody>
-      </p:sp>
       <p:pic>
         <p:nvPicPr>
-          <p:cNvPr id="15" name="그림 14"/>
-          <p:cNvPicPr>
-            <a:picLocks noChangeAspect="1"/>
-          </p:cNvPicPr>
-          <p:nvPr/>
-        </p:nvPicPr>
-        <p:blipFill>
-          <a:blip r:embed="rId2"/>
-          <a:stretch>
-            <a:fillRect/>
-          </a:stretch>
-        </p:blipFill>
-        <p:spPr>
-          <a:xfrm>
-            <a:off x="363448" y="904396"/>
-            <a:ext cx="5261497" cy="3391373"/>
-          </a:xfrm>
-          <a:prstGeom prst="rect">
-            <a:avLst/>
-          </a:prstGeom>
-        </p:spPr>
-      </p:pic>
-      <p:pic>
-        <p:nvPicPr>
-          <p:cNvPr id="17" name="그림 16"/>
+          <p:cNvPr id="6" name="그림 5"/>
           <p:cNvPicPr>
             <a:picLocks noChangeAspect="1"/>
           </p:cNvPicPr>
@@ -5845,8 +5565,38 @@
         </p:blipFill>
         <p:spPr>
           <a:xfrm>
-            <a:off x="193537" y="4385300"/>
-            <a:ext cx="6779918" cy="2403428"/>
+            <a:off x="5225586" y="3886425"/>
+            <a:ext cx="2591162" cy="2333951"/>
+          </a:xfrm>
+          <a:prstGeom prst="rect">
+            <a:avLst/>
+          </a:prstGeom>
+        </p:spPr>
+      </p:pic>
+      <p:pic>
+        <p:nvPicPr>
+          <p:cNvPr id="7" name="그림 6"/>
+          <p:cNvPicPr>
+            <a:picLocks noChangeAspect="1"/>
+          </p:cNvPicPr>
+          <p:nvPr/>
+        </p:nvPicPr>
+        <p:blipFill>
+          <a:blip r:embed="rId4">
+            <a:extLst>
+              <a:ext uri="{28A0092B-C50C-407E-A947-70E740481C1C}">
+                <a14:useLocalDpi xmlns:a14="http://schemas.microsoft.com/office/drawing/2010/main" val="0"/>
+              </a:ext>
+            </a:extLst>
+          </a:blip>
+          <a:stretch>
+            <a:fillRect/>
+          </a:stretch>
+        </p:blipFill>
+        <p:spPr>
+          <a:xfrm>
+            <a:off x="5225586" y="3424037"/>
+            <a:ext cx="1987468" cy="371888"/>
           </a:xfrm>
           <a:prstGeom prst="rect">
             <a:avLst/>
@@ -5856,20 +5606,13 @@
     </p:spTree>
     <p:extLst>
       <p:ext uri="{BB962C8B-B14F-4D97-AF65-F5344CB8AC3E}">
-        <p14:creationId xmlns:p14="http://schemas.microsoft.com/office/powerpoint/2010/main" val="1141309046"/>
+        <p14:creationId xmlns:p14="http://schemas.microsoft.com/office/powerpoint/2010/main" val="651991953"/>
       </p:ext>
     </p:extLst>
   </p:cSld>
   <p:clrMapOvr>
     <a:masterClrMapping/>
   </p:clrMapOvr>
-  <p:timing>
-    <p:tnLst>
-      <p:par>
-        <p:cTn id="1" dur="indefinite" restart="never" nodeType="tmRoot"/>
-      </p:par>
-    </p:tnLst>
-  </p:timing>
 </p:sld>
 </file>
 
@@ -5959,7 +5702,7 @@
         <p:spPr>
           <a:xfrm>
             <a:off x="1718718" y="335362"/>
-            <a:ext cx="1925527" cy="461665"/>
+            <a:ext cx="2585964" cy="461665"/>
           </a:xfrm>
           <a:prstGeom prst="rect">
             <a:avLst/>
@@ -5973,34 +5716,24 @@
           <a:lstStyle/>
           <a:p>
             <a:r>
-              <a:rPr lang="ko-KR" altLang="en-US" sz="2400" b="1" spc="-150" dirty="0">
+              <a:rPr lang="en-US" altLang="ko-KR" sz="2400" b="1" spc="-150" dirty="0" smtClean="0">
                 <a:solidFill>
                   <a:schemeClr val="tx1">
                     <a:lumMod val="75000"/>
                   </a:schemeClr>
                 </a:solidFill>
               </a:rPr>
-              <a:t>자바 </a:t>
-            </a:r>
-            <a:r>
-              <a:rPr lang="en-US" altLang="ko-KR" sz="2400" b="1" spc="-150" dirty="0">
+              <a:t>JAVA CODE SQL</a:t>
+            </a:r>
+            <a:r>
+              <a:rPr lang="ko-KR" altLang="en-US" sz="2400" b="1" spc="-150" dirty="0" smtClean="0">
                 <a:solidFill>
                   <a:schemeClr val="tx1">
                     <a:lumMod val="75000"/>
                   </a:schemeClr>
                 </a:solidFill>
               </a:rPr>
-              <a:t>SQL</a:t>
-            </a:r>
-            <a:r>
-              <a:rPr lang="ko-KR" altLang="en-US" sz="2400" b="1" spc="-150" dirty="0">
-                <a:solidFill>
-                  <a:schemeClr val="tx1">
-                    <a:lumMod val="75000"/>
-                  </a:schemeClr>
-                </a:solidFill>
-              </a:rPr>
-              <a:t>입력</a:t>
+              <a:t>문</a:t>
             </a:r>
             <a:endParaRPr lang="ko-KR" altLang="en-US" sz="2400" b="1" spc="-150" dirty="0">
               <a:solidFill>
@@ -6026,8 +5759,8 @@
         </p:nvSpPr>
         <p:spPr>
           <a:xfrm>
-            <a:off x="559419" y="375058"/>
-            <a:ext cx="760144" cy="400110"/>
+            <a:off x="527358" y="375058"/>
+            <a:ext cx="824265" cy="400110"/>
           </a:xfrm>
           <a:prstGeom prst="rect">
             <a:avLst/>
@@ -6051,6 +5784,14 @@
             </a:r>
             <a:r>
               <a:rPr lang="ko-KR" altLang="en-US" sz="2000" b="1" spc="-150" dirty="0">
+                <a:solidFill>
+                  <a:schemeClr val="bg1"/>
+                </a:solidFill>
+              </a:rPr>
+              <a:t> </a:t>
+            </a:r>
+            <a:r>
+              <a:rPr lang="ko-KR" altLang="en-US" sz="2000" b="1" spc="-150" dirty="0" smtClean="0">
                 <a:solidFill>
                   <a:schemeClr val="bg1"/>
                 </a:solidFill>
@@ -6075,14 +5816,14 @@
       </p:sp>
       <p:sp>
         <p:nvSpPr>
-          <p:cNvPr id="18" name="TextBox 17"/>
+          <p:cNvPr id="9" name="TextBox 8"/>
           <p:cNvSpPr txBox="1"/>
           <p:nvPr/>
         </p:nvSpPr>
         <p:spPr>
           <a:xfrm>
-            <a:off x="7592292" y="2567709"/>
-            <a:ext cx="4211781" cy="923330"/>
+            <a:off x="5994400" y="951345"/>
+            <a:ext cx="5523346" cy="2308324"/>
           </a:xfrm>
           <a:prstGeom prst="rect">
             <a:avLst/>
@@ -6096,48 +5837,299 @@
           <a:lstStyle/>
           <a:p>
             <a:r>
-              <a:rPr lang="en-US" altLang="ko-KR" dirty="0" err="1" smtClean="0"/>
-              <a:t>Stmt.executeUpdate</a:t>
-            </a:r>
-            <a:r>
-              <a:rPr lang="en-US" altLang="ko-KR" dirty="0" smtClean="0"/>
+              <a:rPr lang="en-US" altLang="ko-KR" sz="1600" dirty="0" err="1" smtClean="0"/>
+              <a:t>Dirver</a:t>
+            </a:r>
+            <a:r>
+              <a:rPr lang="en-US" altLang="ko-KR" sz="1600" dirty="0" smtClean="0"/>
+              <a:t>=</a:t>
+            </a:r>
+            <a:r>
+              <a:rPr lang="ko-KR" altLang="en-US" sz="1600" dirty="0" err="1" smtClean="0"/>
+              <a:t>연결할수있는</a:t>
+            </a:r>
+            <a:r>
+              <a:rPr lang="ko-KR" altLang="en-US" sz="1600" dirty="0" smtClean="0"/>
+              <a:t> 드라이버의 이름과코드저장</a:t>
+            </a:r>
+            <a:endParaRPr lang="en-US" altLang="ko-KR" sz="1600" dirty="0" smtClean="0"/>
+          </a:p>
+          <a:p>
+            <a:r>
+              <a:rPr lang="en-US" altLang="ko-KR" sz="1600" dirty="0" err="1" smtClean="0"/>
+              <a:t>url</a:t>
+            </a:r>
+            <a:r>
+              <a:rPr lang="en-US" altLang="ko-KR" sz="1600" dirty="0" smtClean="0"/>
+              <a:t>=DB</a:t>
+            </a:r>
+            <a:r>
+              <a:rPr lang="ko-KR" altLang="en-US" sz="1600" dirty="0" smtClean="0"/>
+              <a:t>의 </a:t>
+            </a:r>
+            <a:r>
+              <a:rPr lang="en-US" altLang="ko-KR" sz="1600" dirty="0" smtClean="0"/>
+              <a:t>URL</a:t>
+            </a:r>
+            <a:r>
+              <a:rPr lang="ko-KR" altLang="en-US" sz="1600" dirty="0" smtClean="0"/>
+              <a:t>도메인과포트버전을 </a:t>
+            </a:r>
+            <a:r>
+              <a:rPr lang="ko-KR" altLang="en-US" sz="1600" dirty="0" err="1" smtClean="0"/>
+              <a:t>입력해주는것</a:t>
+            </a:r>
+            <a:endParaRPr lang="en-US" altLang="ko-KR" sz="1600" dirty="0" smtClean="0"/>
+          </a:p>
+          <a:p>
+            <a:r>
+              <a:rPr lang="en-US" altLang="ko-KR" sz="1600" dirty="0" smtClean="0"/>
+              <a:t>USER</a:t>
+            </a:r>
+            <a:r>
+              <a:rPr lang="ko-KR" altLang="en-US" sz="1600" dirty="0" smtClean="0"/>
+              <a:t>는 아이디</a:t>
+            </a:r>
+            <a:endParaRPr lang="en-US" altLang="ko-KR" sz="1600" dirty="0" smtClean="0"/>
+          </a:p>
+          <a:p>
+            <a:r>
+              <a:rPr lang="en-US" altLang="ko-KR" sz="1600" dirty="0" smtClean="0"/>
+              <a:t>PWD</a:t>
+            </a:r>
+            <a:r>
+              <a:rPr lang="ko-KR" altLang="en-US" sz="1600" dirty="0" smtClean="0"/>
+              <a:t>는 비밀번호</a:t>
+            </a:r>
+            <a:endParaRPr lang="en-US" altLang="ko-KR" sz="1600" dirty="0" smtClean="0"/>
+          </a:p>
+          <a:p>
+            <a:r>
+              <a:rPr lang="en-US" altLang="ko-KR" sz="1600" dirty="0" smtClean="0"/>
+              <a:t>CONNETION CONN = </a:t>
+            </a:r>
+            <a:r>
+              <a:rPr lang="en-US" altLang="ko-KR" sz="1600" dirty="0" err="1" smtClean="0"/>
+              <a:t>db</a:t>
+            </a:r>
+            <a:r>
+              <a:rPr lang="ko-KR" altLang="en-US" sz="1600" dirty="0" smtClean="0"/>
+              <a:t>와 연결 할 연결객체생성</a:t>
+            </a:r>
+            <a:endParaRPr lang="en-US" altLang="ko-KR" sz="1600" dirty="0" smtClean="0"/>
+          </a:p>
+          <a:p>
+            <a:r>
+              <a:rPr lang="en-US" altLang="ko-KR" sz="1600" dirty="0" smtClean="0"/>
+              <a:t>STATEMNET STMT = </a:t>
+            </a:r>
+            <a:r>
+              <a:rPr lang="ko-KR" altLang="en-US" sz="1600" dirty="0" smtClean="0"/>
+              <a:t>연결 객체 를 인스턴스화하여 객체를 보낼 준비 와 </a:t>
+            </a:r>
+            <a:r>
+              <a:rPr lang="en-US" altLang="ko-KR" sz="1600" dirty="0" err="1" smtClean="0"/>
+              <a:t>api</a:t>
+            </a:r>
+            <a:r>
+              <a:rPr lang="ko-KR" altLang="en-US" sz="1600" dirty="0" err="1" smtClean="0"/>
+              <a:t>를</a:t>
+            </a:r>
+            <a:r>
+              <a:rPr lang="ko-KR" altLang="en-US" sz="1600" dirty="0" smtClean="0"/>
+              <a:t> 담당</a:t>
+            </a:r>
+            <a:endParaRPr lang="en-US" altLang="ko-KR" sz="1600" dirty="0" smtClean="0"/>
+          </a:p>
+          <a:p>
+            <a:r>
+              <a:rPr lang="en-US" altLang="ko-KR" sz="1600" dirty="0" smtClean="0"/>
+              <a:t>RESULTSET RS =</a:t>
+            </a:r>
+            <a:r>
+              <a:rPr lang="ko-KR" altLang="en-US" sz="1600" dirty="0" err="1" smtClean="0"/>
+              <a:t>질의문을</a:t>
+            </a:r>
+            <a:r>
+              <a:rPr lang="ko-KR" altLang="en-US" sz="1600" dirty="0" smtClean="0"/>
               <a:t> </a:t>
             </a:r>
             <a:r>
-              <a:rPr lang="ko-KR" altLang="en-US" dirty="0" smtClean="0"/>
-              <a:t>자바의 </a:t>
-            </a:r>
-            <a:r>
-              <a:rPr lang="en-US" altLang="ko-KR" dirty="0" smtClean="0"/>
-              <a:t>String</a:t>
-            </a:r>
-            <a:r>
-              <a:rPr lang="ko-KR" altLang="en-US" dirty="0" smtClean="0"/>
-              <a:t>타입의 문자열을  </a:t>
-            </a:r>
-            <a:r>
-              <a:rPr lang="ko-KR" altLang="en-US" dirty="0" err="1" smtClean="0"/>
-              <a:t>쿼리문으로바꿔서</a:t>
-            </a:r>
-            <a:r>
-              <a:rPr lang="ko-KR" altLang="en-US" dirty="0" smtClean="0"/>
-              <a:t> 입력한다 값 </a:t>
-            </a:r>
-            <a:r>
-              <a:rPr lang="ko-KR" altLang="en-US" dirty="0" err="1" smtClean="0"/>
-              <a:t>리턴이없다</a:t>
-            </a:r>
-            <a:r>
-              <a:rPr lang="en-US" altLang="ko-KR" dirty="0" smtClean="0"/>
-              <a:t>.</a:t>
-            </a:r>
-          </a:p>
-        </p:txBody>
-      </p:sp>
+              <a:rPr lang="ko-KR" altLang="en-US" sz="1600" dirty="0" err="1" smtClean="0"/>
+              <a:t>썻을때</a:t>
+            </a:r>
+            <a:r>
+              <a:rPr lang="ko-KR" altLang="en-US" sz="1600" dirty="0" smtClean="0"/>
+              <a:t> 그 값에 대한 결과를 받는다</a:t>
+            </a:r>
+            <a:endParaRPr lang="ko-KR" altLang="en-US" sz="1600" dirty="0"/>
+          </a:p>
+        </p:txBody>
+      </p:sp>
+      <p:sp>
+        <p:nvSpPr>
+          <p:cNvPr id="12" name="TextBox 11"/>
+          <p:cNvSpPr txBox="1"/>
+          <p:nvPr/>
+        </p:nvSpPr>
+        <p:spPr>
+          <a:xfrm>
+            <a:off x="8349673" y="4221018"/>
+            <a:ext cx="3916218" cy="1815882"/>
+          </a:xfrm>
+          <a:prstGeom prst="rect">
+            <a:avLst/>
+          </a:prstGeom>
+          <a:noFill/>
+        </p:spPr>
+        <p:txBody>
+          <a:bodyPr wrap="square" rtlCol="0">
+            <a:spAutoFit/>
+          </a:bodyPr>
+          <a:lstStyle/>
+          <a:p>
+            <a:r>
+              <a:rPr lang="en-US" altLang="ko-KR" sz="1600" dirty="0" err="1" smtClean="0"/>
+              <a:t>Class.forname</a:t>
+            </a:r>
+            <a:r>
+              <a:rPr lang="en-US" altLang="ko-KR" sz="1600" dirty="0" smtClean="0"/>
+              <a:t>(driver)</a:t>
+            </a:r>
+            <a:r>
+              <a:rPr lang="ko-KR" altLang="en-US" sz="1600" dirty="0" smtClean="0"/>
+              <a:t>연결할 드라이버 를 찾는다 </a:t>
+            </a:r>
+            <a:r>
+              <a:rPr lang="en-US" altLang="ko-KR" sz="1600" dirty="0" err="1" smtClean="0"/>
+              <a:t>conndrvermanaher.grtconnetion</a:t>
+            </a:r>
+            <a:r>
+              <a:rPr lang="en-US" altLang="ko-KR" sz="1600" dirty="0" smtClean="0"/>
+              <a:t> </a:t>
+            </a:r>
+            <a:r>
+              <a:rPr lang="en-US" altLang="ko-KR" sz="1600" dirty="0" err="1" smtClean="0"/>
+              <a:t>db</a:t>
+            </a:r>
+            <a:r>
+              <a:rPr lang="ko-KR" altLang="en-US" sz="1600" dirty="0" err="1" smtClean="0"/>
+              <a:t>의접속</a:t>
+            </a:r>
+            <a:r>
+              <a:rPr lang="ko-KR" altLang="en-US" sz="1600" dirty="0" smtClean="0"/>
+              <a:t> </a:t>
+            </a:r>
+            <a:r>
+              <a:rPr lang="en-US" altLang="ko-KR" sz="1600" dirty="0" err="1" smtClean="0"/>
+              <a:t>url</a:t>
+            </a:r>
+            <a:r>
+              <a:rPr lang="ko-KR" altLang="en-US" sz="1600" dirty="0" smtClean="0"/>
+              <a:t>과 계정정보를 받고 접속한다</a:t>
+            </a:r>
+            <a:endParaRPr lang="en-US" altLang="ko-KR" sz="1600" dirty="0" smtClean="0"/>
+          </a:p>
+          <a:p>
+            <a:r>
+              <a:rPr lang="en-US" altLang="ko-KR" sz="1600" dirty="0" err="1" smtClean="0"/>
+              <a:t>Stmt.excutQuery:Sring</a:t>
+            </a:r>
+            <a:r>
+              <a:rPr lang="en-US" altLang="ko-KR" sz="1600" dirty="0" smtClean="0"/>
+              <a:t> </a:t>
+            </a:r>
+            <a:r>
+              <a:rPr lang="ko-KR" altLang="en-US" sz="1600" dirty="0" err="1" smtClean="0"/>
+              <a:t>의타입의</a:t>
+            </a:r>
+            <a:r>
+              <a:rPr lang="ko-KR" altLang="en-US" sz="1600" dirty="0" smtClean="0"/>
+              <a:t> 문자열을 </a:t>
+            </a:r>
+            <a:r>
+              <a:rPr lang="ko-KR" altLang="en-US" sz="1600" dirty="0" err="1" smtClean="0"/>
+              <a:t>쿼리문으로</a:t>
+            </a:r>
+            <a:r>
+              <a:rPr lang="ko-KR" altLang="en-US" sz="1600" dirty="0" smtClean="0"/>
+              <a:t> 변화시키고 </a:t>
+            </a:r>
+            <a:r>
+              <a:rPr lang="en-US" altLang="ko-KR" sz="1600" dirty="0" err="1" smtClean="0"/>
+              <a:t>db</a:t>
+            </a:r>
+            <a:r>
+              <a:rPr lang="ko-KR" altLang="en-US" sz="1600" dirty="0" err="1" smtClean="0"/>
+              <a:t>에입력한다</a:t>
+            </a:r>
+            <a:endParaRPr lang="en-US" altLang="ko-KR" sz="1600" dirty="0" smtClean="0"/>
+          </a:p>
+          <a:p>
+            <a:r>
+              <a:rPr lang="ko-KR" altLang="en-US" sz="1600" dirty="0" smtClean="0"/>
+              <a:t>값을  </a:t>
+            </a:r>
+            <a:r>
+              <a:rPr lang="ko-KR" altLang="en-US" sz="1600" dirty="0" err="1" smtClean="0"/>
+              <a:t>리턴한다</a:t>
+            </a:r>
+            <a:endParaRPr lang="ko-KR" altLang="en-US" sz="1600" dirty="0"/>
+          </a:p>
+        </p:txBody>
+      </p:sp>
+      <p:pic>
+        <p:nvPicPr>
+          <p:cNvPr id="15" name="그림 14"/>
+          <p:cNvPicPr>
+            <a:picLocks noChangeAspect="1"/>
+          </p:cNvPicPr>
+          <p:nvPr/>
+        </p:nvPicPr>
+        <p:blipFill>
+          <a:blip r:embed="rId2"/>
+          <a:stretch>
+            <a:fillRect/>
+          </a:stretch>
+        </p:blipFill>
+        <p:spPr>
+          <a:xfrm>
+            <a:off x="363448" y="904396"/>
+            <a:ext cx="5261497" cy="3391373"/>
+          </a:xfrm>
+          <a:prstGeom prst="rect">
+            <a:avLst/>
+          </a:prstGeom>
+        </p:spPr>
+      </p:pic>
+      <p:pic>
+        <p:nvPicPr>
+          <p:cNvPr id="17" name="그림 16"/>
+          <p:cNvPicPr>
+            <a:picLocks noChangeAspect="1"/>
+          </p:cNvPicPr>
+          <p:nvPr/>
+        </p:nvPicPr>
+        <p:blipFill>
+          <a:blip r:embed="rId3"/>
+          <a:stretch>
+            <a:fillRect/>
+          </a:stretch>
+        </p:blipFill>
+        <p:spPr>
+          <a:xfrm>
+            <a:off x="193537" y="4385300"/>
+            <a:ext cx="6779918" cy="2403428"/>
+          </a:xfrm>
+          <a:prstGeom prst="rect">
+            <a:avLst/>
+          </a:prstGeom>
+        </p:spPr>
+      </p:pic>
     </p:spTree>
     <p:extLst>
       <p:ext uri="{BB962C8B-B14F-4D97-AF65-F5344CB8AC3E}">
-        <p14:creationId xmlns:p14="http://schemas.microsoft.com/office/powerpoint/2010/main" val="2087909925"/>
+        <p14:creationId xmlns:p14="http://schemas.microsoft.com/office/powerpoint/2010/main" val="1141309046"/>
       </p:ext>
     </p:extLst>
   </p:cSld>
@@ -6240,7 +6232,7 @@
         <p:spPr>
           <a:xfrm>
             <a:off x="1718718" y="335362"/>
-            <a:ext cx="2210862" cy="461665"/>
+            <a:ext cx="2585964" cy="461665"/>
           </a:xfrm>
           <a:prstGeom prst="rect">
             <a:avLst/>
@@ -6254,15 +6246,32 @@
           <a:lstStyle/>
           <a:p>
             <a:r>
-              <a:rPr lang="ko-KR" altLang="en-US" sz="2400" b="1" spc="-150" dirty="0">
+              <a:rPr lang="en-US" altLang="ko-KR" sz="2400" b="1" spc="-150" dirty="0" smtClean="0">
                 <a:solidFill>
                   <a:schemeClr val="tx1">
                     <a:lumMod val="75000"/>
                   </a:schemeClr>
                 </a:solidFill>
               </a:rPr>
-              <a:t>제목을 입력하세요</a:t>
-            </a:r>
+              <a:t>JAVA CODE SQL</a:t>
+            </a:r>
+            <a:r>
+              <a:rPr lang="ko-KR" altLang="en-US" sz="2400" b="1" spc="-150" dirty="0" smtClean="0">
+                <a:solidFill>
+                  <a:schemeClr val="tx1">
+                    <a:lumMod val="75000"/>
+                  </a:schemeClr>
+                </a:solidFill>
+              </a:rPr>
+              <a:t>문</a:t>
+            </a:r>
+            <a:endParaRPr lang="ko-KR" altLang="en-US" sz="2400" b="1" spc="-150" dirty="0">
+              <a:solidFill>
+                <a:schemeClr val="tx1">
+                  <a:lumMod val="75000"/>
+                </a:schemeClr>
+              </a:solidFill>
+            </a:endParaRPr>
           </a:p>
         </p:txBody>
       </p:sp>
@@ -6280,8 +6289,8 @@
         </p:nvSpPr>
         <p:spPr>
           <a:xfrm>
-            <a:off x="542588" y="375058"/>
-            <a:ext cx="793808" cy="400110"/>
+            <a:off x="559419" y="375058"/>
+            <a:ext cx="760144" cy="400110"/>
           </a:xfrm>
           <a:prstGeom prst="rect">
             <a:avLst/>
@@ -6312,12 +6321,12 @@
               <a:t> </a:t>
             </a:r>
             <a:r>
-              <a:rPr lang="en-US" altLang="ko-KR" sz="2000" b="1" spc="-150" dirty="0">
+              <a:rPr lang="en-US" altLang="ko-KR" sz="2000" b="1" spc="-150" dirty="0" smtClean="0">
                 <a:solidFill>
                   <a:schemeClr val="bg1"/>
                 </a:solidFill>
               </a:rPr>
-              <a:t>4</a:t>
+              <a:t>6</a:t>
             </a:r>
             <a:endParaRPr lang="ko-KR" altLang="en-US" sz="2000" b="1" spc="-150" dirty="0">
               <a:solidFill>
@@ -6327,9 +6336,79 @@
           </a:p>
         </p:txBody>
       </p:sp>
+      <p:sp>
+        <p:nvSpPr>
+          <p:cNvPr id="18" name="TextBox 17"/>
+          <p:cNvSpPr txBox="1"/>
+          <p:nvPr/>
+        </p:nvSpPr>
+        <p:spPr>
+          <a:xfrm>
+            <a:off x="5571292" y="267149"/>
+            <a:ext cx="4211781" cy="923330"/>
+          </a:xfrm>
+          <a:prstGeom prst="rect">
+            <a:avLst/>
+          </a:prstGeom>
+          <a:noFill/>
+        </p:spPr>
+        <p:txBody>
+          <a:bodyPr wrap="square" rtlCol="0">
+            <a:spAutoFit/>
+          </a:bodyPr>
+          <a:lstStyle/>
+          <a:p>
+            <a:r>
+              <a:rPr lang="en-US" altLang="ko-KR" dirty="0" err="1" smtClean="0"/>
+              <a:t>Stmt.executeUpdate</a:t>
+            </a:r>
+            <a:r>
+              <a:rPr lang="en-US" altLang="ko-KR" dirty="0" smtClean="0"/>
+              <a:t> </a:t>
+            </a:r>
+            <a:r>
+              <a:rPr lang="ko-KR" altLang="en-US" dirty="0" smtClean="0"/>
+              <a:t>자바의 </a:t>
+            </a:r>
+            <a:r>
+              <a:rPr lang="en-US" altLang="ko-KR" dirty="0" smtClean="0"/>
+              <a:t>String</a:t>
+            </a:r>
+            <a:r>
+              <a:rPr lang="ko-KR" altLang="en-US" dirty="0" smtClean="0"/>
+              <a:t>타입의 문자열을  </a:t>
+            </a:r>
+            <a:r>
+              <a:rPr lang="ko-KR" altLang="en-US" dirty="0" err="1" smtClean="0"/>
+              <a:t>쿼리문으로</a:t>
+            </a:r>
+            <a:r>
+              <a:rPr lang="ko-KR" altLang="en-US" dirty="0" smtClean="0"/>
+              <a:t> 바꿔서 입력한다 값 </a:t>
+            </a:r>
+            <a:r>
+              <a:rPr lang="en-US" altLang="ko-KR" dirty="0" smtClean="0"/>
+              <a:t>update</a:t>
+            </a:r>
+            <a:r>
+              <a:rPr lang="ko-KR" altLang="en-US" dirty="0" smtClean="0"/>
+              <a:t>문에는 </a:t>
+            </a:r>
+            <a:r>
+              <a:rPr lang="ko-KR" altLang="en-US" dirty="0" err="1" smtClean="0"/>
+              <a:t>리턴값이</a:t>
+            </a:r>
+            <a:r>
+              <a:rPr lang="ko-KR" altLang="en-US" dirty="0" smtClean="0"/>
+              <a:t> 없다</a:t>
+            </a:r>
+            <a:endParaRPr lang="en-US" altLang="ko-KR" dirty="0" smtClean="0"/>
+          </a:p>
+        </p:txBody>
+      </p:sp>
       <p:pic>
         <p:nvPicPr>
-          <p:cNvPr id="23" name="그림 22"/>
+          <p:cNvPr id="7" name="그림 6"/>
           <p:cNvPicPr>
             <a:picLocks noChangeAspect="1"/>
           </p:cNvPicPr>
@@ -6343,7 +6422,265 @@
         </p:blipFill>
         <p:spPr>
           <a:xfrm>
-            <a:off x="277740" y="1248711"/>
+            <a:off x="603462" y="1771060"/>
+            <a:ext cx="4731509" cy="4058967"/>
+          </a:xfrm>
+          <a:prstGeom prst="rect">
+            <a:avLst/>
+          </a:prstGeom>
+        </p:spPr>
+      </p:pic>
+      <p:pic>
+        <p:nvPicPr>
+          <p:cNvPr id="2" name="그림 1"/>
+          <p:cNvPicPr>
+            <a:picLocks noChangeAspect="1"/>
+          </p:cNvPicPr>
+          <p:nvPr/>
+        </p:nvPicPr>
+        <p:blipFill>
+          <a:blip r:embed="rId3"/>
+          <a:stretch>
+            <a:fillRect/>
+          </a:stretch>
+        </p:blipFill>
+        <p:spPr>
+          <a:xfrm>
+            <a:off x="5989964" y="1591358"/>
+            <a:ext cx="4761516" cy="4238669"/>
+          </a:xfrm>
+          <a:prstGeom prst="rect">
+            <a:avLst/>
+          </a:prstGeom>
+        </p:spPr>
+      </p:pic>
+    </p:spTree>
+    <p:extLst>
+      <p:ext uri="{BB962C8B-B14F-4D97-AF65-F5344CB8AC3E}">
+        <p14:creationId xmlns:p14="http://schemas.microsoft.com/office/powerpoint/2010/main" val="2087909925"/>
+      </p:ext>
+    </p:extLst>
+  </p:cSld>
+  <p:clrMapOvr>
+    <a:masterClrMapping/>
+  </p:clrMapOvr>
+  <p:timing>
+    <p:tnLst>
+      <p:par>
+        <p:cTn id="1" dur="indefinite" restart="never" nodeType="tmRoot"/>
+      </p:par>
+    </p:tnLst>
+  </p:timing>
+</p:sld>
+</file>
+
+<file path=ppt/slides/slide16.xml><?xml version="1.0" encoding="utf-8"?>
+<p:sld xmlns:a="http://schemas.openxmlformats.org/drawingml/2006/main" xmlns:r="http://schemas.openxmlformats.org/officeDocument/2006/relationships" xmlns:p="http://schemas.openxmlformats.org/presentationml/2006/main">
+  <p:cSld>
+    <p:spTree>
+      <p:nvGrpSpPr>
+        <p:cNvPr id="1" name=""/>
+        <p:cNvGrpSpPr/>
+        <p:nvPr/>
+      </p:nvGrpSpPr>
+      <p:grpSpPr>
+        <a:xfrm>
+          <a:off x="0" y="0"/>
+          <a:ext cx="0" cy="0"/>
+          <a:chOff x="0" y="0"/>
+          <a:chExt cx="0" cy="0"/>
+        </a:xfrm>
+      </p:grpSpPr>
+      <p:sp>
+        <p:nvSpPr>
+          <p:cNvPr id="4" name="사각형: 둥근 모서리 3">
+            <a:extLst>
+              <a:ext uri="{FF2B5EF4-FFF2-40B4-BE49-F238E27FC236}">
+                <a16:creationId xmlns:a16="http://schemas.microsoft.com/office/drawing/2014/main" id="{25C5E306-7DE0-6306-6847-DB3CD2EC9E70}"/>
+              </a:ext>
+            </a:extLst>
+          </p:cNvPr>
+          <p:cNvSpPr/>
+          <p:nvPr/>
+        </p:nvSpPr>
+        <p:spPr>
+          <a:xfrm>
+            <a:off x="363448" y="335362"/>
+            <a:ext cx="1152086" cy="479503"/>
+          </a:xfrm>
+          <a:prstGeom prst="roundRect">
+            <a:avLst>
+              <a:gd name="adj" fmla="val 36090"/>
+            </a:avLst>
+          </a:prstGeom>
+          <a:solidFill>
+            <a:schemeClr val="accent4"/>
+          </a:solidFill>
+          <a:ln>
+            <a:noFill/>
+          </a:ln>
+        </p:spPr>
+        <p:style>
+          <a:lnRef idx="2">
+            <a:schemeClr val="accent1">
+              <a:shade val="50000"/>
+            </a:schemeClr>
+          </a:lnRef>
+          <a:fillRef idx="1">
+            <a:schemeClr val="accent1"/>
+          </a:fillRef>
+          <a:effectRef idx="0">
+            <a:schemeClr val="accent1"/>
+          </a:effectRef>
+          <a:fontRef idx="minor">
+            <a:schemeClr val="lt1"/>
+          </a:fontRef>
+        </p:style>
+        <p:txBody>
+          <a:bodyPr rtlCol="0" anchor="ctr"/>
+          <a:lstStyle/>
+          <a:p>
+            <a:pPr algn="ctr"/>
+            <a:endParaRPr lang="ko-KR" altLang="en-US"/>
+          </a:p>
+        </p:txBody>
+      </p:sp>
+      <p:sp>
+        <p:nvSpPr>
+          <p:cNvPr id="5" name="TextBox 4">
+            <a:extLst>
+              <a:ext uri="{FF2B5EF4-FFF2-40B4-BE49-F238E27FC236}">
+                <a16:creationId xmlns:a16="http://schemas.microsoft.com/office/drawing/2014/main" id="{E6E6D75F-5329-F9DB-9EDF-00D1B5BDEEE8}"/>
+              </a:ext>
+            </a:extLst>
+          </p:cNvPr>
+          <p:cNvSpPr txBox="1"/>
+          <p:nvPr/>
+        </p:nvSpPr>
+        <p:spPr>
+          <a:xfrm>
+            <a:off x="1718718" y="335362"/>
+            <a:ext cx="2667718" cy="461665"/>
+          </a:xfrm>
+          <a:prstGeom prst="rect">
+            <a:avLst/>
+          </a:prstGeom>
+          <a:noFill/>
+        </p:spPr>
+        <p:txBody>
+          <a:bodyPr wrap="none" rtlCol="0">
+            <a:spAutoFit/>
+          </a:bodyPr>
+          <a:lstStyle/>
+          <a:p>
+            <a:r>
+              <a:rPr lang="en-US" altLang="ko-KR" sz="2400" b="1" spc="-150" dirty="0" smtClean="0">
+                <a:solidFill>
+                  <a:schemeClr val="tx1">
+                    <a:lumMod val="75000"/>
+                  </a:schemeClr>
+                </a:solidFill>
+              </a:rPr>
+              <a:t>JAVA CODE  SQL</a:t>
+            </a:r>
+            <a:r>
+              <a:rPr lang="ko-KR" altLang="en-US" sz="2400" b="1" spc="-150" dirty="0" smtClean="0">
+                <a:solidFill>
+                  <a:schemeClr val="tx1">
+                    <a:lumMod val="75000"/>
+                  </a:schemeClr>
+                </a:solidFill>
+              </a:rPr>
+              <a:t>문</a:t>
+            </a:r>
+            <a:endParaRPr lang="en-US" altLang="ko-KR" sz="2400" b="1" spc="-150" dirty="0" smtClean="0">
+              <a:solidFill>
+                <a:schemeClr val="tx1">
+                  <a:lumMod val="75000"/>
+                </a:schemeClr>
+              </a:solidFill>
+            </a:endParaRPr>
+          </a:p>
+        </p:txBody>
+      </p:sp>
+      <p:sp>
+        <p:nvSpPr>
+          <p:cNvPr id="6" name="TextBox 5">
+            <a:extLst>
+              <a:ext uri="{FF2B5EF4-FFF2-40B4-BE49-F238E27FC236}">
+                <a16:creationId xmlns:a16="http://schemas.microsoft.com/office/drawing/2014/main" id="{6FEC8A33-445F-9CB2-79E6-8435D60F471A}"/>
+              </a:ext>
+            </a:extLst>
+          </p:cNvPr>
+          <p:cNvSpPr txBox="1"/>
+          <p:nvPr/>
+        </p:nvSpPr>
+        <p:spPr>
+          <a:xfrm>
+            <a:off x="559420" y="375058"/>
+            <a:ext cx="760144" cy="400110"/>
+          </a:xfrm>
+          <a:prstGeom prst="rect">
+            <a:avLst/>
+          </a:prstGeom>
+          <a:noFill/>
+        </p:spPr>
+        <p:txBody>
+          <a:bodyPr wrap="none" rtlCol="0">
+            <a:spAutoFit/>
+          </a:bodyPr>
+          <a:lstStyle/>
+          <a:p>
+            <a:pPr algn="ctr"/>
+            <a:r>
+              <a:rPr lang="en-US" altLang="ko-KR" sz="2000" b="1" spc="-150" dirty="0">
+                <a:solidFill>
+                  <a:schemeClr val="bg1"/>
+                </a:solidFill>
+              </a:rPr>
+              <a:t>Part</a:t>
+            </a:r>
+            <a:r>
+              <a:rPr lang="ko-KR" altLang="en-US" sz="2000" b="1" spc="-150" dirty="0">
+                <a:solidFill>
+                  <a:schemeClr val="bg1"/>
+                </a:solidFill>
+              </a:rPr>
+              <a:t> </a:t>
+            </a:r>
+            <a:r>
+              <a:rPr lang="en-US" altLang="ko-KR" sz="2000" b="1" spc="-150" dirty="0" smtClean="0">
+                <a:solidFill>
+                  <a:schemeClr val="bg1"/>
+                </a:solidFill>
+              </a:rPr>
+              <a:t>6</a:t>
+            </a:r>
+            <a:endParaRPr lang="ko-KR" altLang="en-US" sz="2000" b="1" spc="-150" dirty="0">
+              <a:solidFill>
+                <a:schemeClr val="bg1"/>
+              </a:solidFill>
+            </a:endParaRPr>
+          </a:p>
+        </p:txBody>
+      </p:sp>
+      <p:pic>
+        <p:nvPicPr>
+          <p:cNvPr id="23" name="그림 22"/>
+          <p:cNvPicPr>
+            <a:picLocks noChangeAspect="1"/>
+          </p:cNvPicPr>
+          <p:nvPr/>
+        </p:nvPicPr>
+        <p:blipFill>
+          <a:blip r:embed="rId2"/>
+          <a:stretch>
+            <a:fillRect/>
+          </a:stretch>
+        </p:blipFill>
+        <p:spPr>
+          <a:xfrm>
+            <a:off x="261077" y="1202344"/>
             <a:ext cx="7240010" cy="5191850"/>
           </a:xfrm>
           <a:prstGeom prst="rect">
@@ -6351,6 +6688,152 @@
           </a:prstGeom>
         </p:spPr>
       </p:pic>
+      <p:sp>
+        <p:nvSpPr>
+          <p:cNvPr id="2" name="TextBox 1"/>
+          <p:cNvSpPr txBox="1"/>
+          <p:nvPr/>
+        </p:nvSpPr>
+        <p:spPr>
+          <a:xfrm>
+            <a:off x="7517749" y="2794219"/>
+            <a:ext cx="3977565" cy="1169551"/>
+          </a:xfrm>
+          <a:prstGeom prst="rect">
+            <a:avLst/>
+          </a:prstGeom>
+          <a:noFill/>
+        </p:spPr>
+        <p:txBody>
+          <a:bodyPr wrap="square" rtlCol="0">
+            <a:spAutoFit/>
+          </a:bodyPr>
+          <a:lstStyle/>
+          <a:p>
+            <a:r>
+              <a:rPr lang="ko-KR" altLang="en-US" sz="1400" dirty="0" err="1" smtClean="0"/>
+              <a:t>리턴값이있는</a:t>
+            </a:r>
+            <a:r>
+              <a:rPr lang="ko-KR" altLang="en-US" sz="1400" dirty="0" smtClean="0"/>
+              <a:t> </a:t>
+            </a:r>
+            <a:r>
+              <a:rPr lang="en-US" altLang="ko-KR" sz="1400" dirty="0" err="1" smtClean="0"/>
+              <a:t>executeQuery</a:t>
+            </a:r>
+            <a:r>
+              <a:rPr lang="ko-KR" altLang="en-US" sz="1400" dirty="0" err="1" smtClean="0"/>
+              <a:t>문을실행후</a:t>
+            </a:r>
+            <a:endParaRPr lang="en-US" altLang="ko-KR" sz="1400" dirty="0" smtClean="0"/>
+          </a:p>
+          <a:p>
+            <a:r>
+              <a:rPr lang="ko-KR" altLang="en-US" sz="1400" dirty="0" err="1" smtClean="0"/>
+              <a:t>그값을</a:t>
+            </a:r>
+            <a:r>
+              <a:rPr lang="ko-KR" altLang="en-US" sz="1400" dirty="0" smtClean="0"/>
+              <a:t> </a:t>
+            </a:r>
+            <a:r>
+              <a:rPr lang="en-US" altLang="ko-KR" sz="1400" dirty="0" smtClean="0"/>
+              <a:t>re</a:t>
+            </a:r>
+            <a:r>
+              <a:rPr lang="ko-KR" altLang="en-US" sz="1400" dirty="0" err="1" smtClean="0"/>
+              <a:t>에저장한뒤</a:t>
+            </a:r>
+            <a:r>
+              <a:rPr lang="ko-KR" altLang="en-US" sz="1400" dirty="0" smtClean="0"/>
+              <a:t> </a:t>
+            </a:r>
+            <a:r>
+              <a:rPr lang="ko-KR" altLang="en-US" sz="1400" dirty="0" err="1" smtClean="0"/>
+              <a:t>그값이</a:t>
+            </a:r>
+            <a:r>
+              <a:rPr lang="ko-KR" altLang="en-US" sz="1400" dirty="0" smtClean="0"/>
+              <a:t> 여러 개라면</a:t>
+            </a:r>
+            <a:r>
+              <a:rPr lang="en-US" altLang="ko-KR" sz="1400" dirty="0" smtClean="0"/>
+              <a:t/>
+            </a:r>
+            <a:br>
+              <a:rPr lang="en-US" altLang="ko-KR" sz="1400" dirty="0" smtClean="0"/>
+            </a:br>
+            <a:r>
+              <a:rPr lang="en-US" altLang="ko-KR" sz="1400" dirty="0" smtClean="0"/>
+              <a:t>while</a:t>
+            </a:r>
+            <a:r>
+              <a:rPr lang="ko-KR" altLang="en-US" sz="1400" dirty="0" smtClean="0"/>
+              <a:t>문을 통해 출력한다</a:t>
+            </a:r>
+            <a:endParaRPr lang="en-US" altLang="ko-KR" sz="1400" dirty="0" smtClean="0"/>
+          </a:p>
+          <a:p>
+            <a:r>
+              <a:rPr lang="en-US" altLang="ko-KR" sz="1400" dirty="0"/>
+              <a:t> </a:t>
+            </a:r>
+            <a:r>
+              <a:rPr lang="en-US" altLang="ko-KR" sz="1400" dirty="0" err="1" smtClean="0"/>
+              <a:t>rs.get</a:t>
+            </a:r>
+            <a:r>
+              <a:rPr lang="ko-KR" altLang="en-US" sz="1400" dirty="0" smtClean="0"/>
+              <a:t>타입</a:t>
+            </a:r>
+            <a:r>
+              <a:rPr lang="en-US" altLang="ko-KR" sz="1400" dirty="0" smtClean="0"/>
+              <a:t>(“</a:t>
+            </a:r>
+            <a:r>
+              <a:rPr lang="ko-KR" altLang="en-US" sz="1400" dirty="0" err="1" smtClean="0"/>
+              <a:t>컬럼명</a:t>
+            </a:r>
+            <a:r>
+              <a:rPr lang="en-US" altLang="ko-KR" sz="1400" dirty="0" smtClean="0"/>
+              <a:t>”)</a:t>
+            </a:r>
+            <a:r>
+              <a:rPr lang="ko-KR" altLang="en-US" sz="1400" dirty="0" err="1" smtClean="0"/>
+              <a:t>을통해</a:t>
+            </a:r>
+            <a:r>
+              <a:rPr lang="ko-KR" altLang="en-US" sz="1400" dirty="0" smtClean="0"/>
+              <a:t> </a:t>
+            </a:r>
+            <a:r>
+              <a:rPr lang="ko-KR" altLang="en-US" sz="1400" dirty="0" err="1" smtClean="0"/>
+              <a:t>원하는컬럼의</a:t>
+            </a:r>
+            <a:r>
+              <a:rPr lang="en-US" altLang="ko-KR" sz="1400" dirty="0"/>
+              <a:t/>
+            </a:r>
+            <a:br>
+              <a:rPr lang="en-US" altLang="ko-KR" sz="1400" dirty="0"/>
+            </a:br>
+            <a:r>
+              <a:rPr lang="ko-KR" altLang="en-US" sz="1400" dirty="0" smtClean="0"/>
+              <a:t>값을 </a:t>
+            </a:r>
+            <a:r>
+              <a:rPr lang="ko-KR" altLang="en-US" sz="1400" dirty="0" err="1" smtClean="0"/>
+              <a:t>얻을수있다</a:t>
+            </a:r>
+            <a:r>
+              <a:rPr lang="ko-KR" altLang="en-US" sz="1400" dirty="0" smtClean="0"/>
+              <a:t> </a:t>
+            </a:r>
+            <a:endParaRPr lang="ko-KR" altLang="en-US" sz="1400" dirty="0"/>
+          </a:p>
+        </p:txBody>
+      </p:sp>
     </p:spTree>
     <p:extLst>
       <p:ext uri="{BB962C8B-B14F-4D97-AF65-F5344CB8AC3E}">
@@ -6368,6 +6851,153 @@
       </p:par>
     </p:tnLst>
   </p:timing>
+</p:sld>
+</file>
+
+<file path=ppt/slides/slide17.xml><?xml version="1.0" encoding="utf-8"?>
+<p:sld xmlns:a="http://schemas.openxmlformats.org/drawingml/2006/main" xmlns:r="http://schemas.openxmlformats.org/officeDocument/2006/relationships" xmlns:p="http://schemas.openxmlformats.org/presentationml/2006/main">
+  <p:cSld>
+    <p:spTree>
+      <p:nvGrpSpPr>
+        <p:cNvPr id="1" name=""/>
+        <p:cNvGrpSpPr/>
+        <p:nvPr/>
+      </p:nvGrpSpPr>
+      <p:grpSpPr>
+        <a:xfrm>
+          <a:off x="0" y="0"/>
+          <a:ext cx="0" cy="0"/>
+          <a:chOff x="0" y="0"/>
+          <a:chExt cx="0" cy="0"/>
+        </a:xfrm>
+      </p:grpSpPr>
+      <p:pic>
+        <p:nvPicPr>
+          <p:cNvPr id="2" name="그림 1">
+            <a:extLst>
+              <a:ext uri="{FF2B5EF4-FFF2-40B4-BE49-F238E27FC236}">
+                <a16:creationId xmlns:a16="http://schemas.microsoft.com/office/drawing/2014/main" id="{B62373B2-4EA6-2CDE-D075-EDEFFD2298F3}"/>
+              </a:ext>
+            </a:extLst>
+          </p:cNvPr>
+          <p:cNvPicPr>
+            <a:picLocks noChangeAspect="1"/>
+          </p:cNvPicPr>
+          <p:nvPr/>
+        </p:nvPicPr>
+        <p:blipFill>
+          <a:blip r:embed="rId2" cstate="screen">
+            <a:extLst>
+              <a:ext uri="{28A0092B-C50C-407E-A947-70E740481C1C}">
+                <a14:useLocalDpi xmlns:a14="http://schemas.microsoft.com/office/drawing/2010/main" val="0"/>
+              </a:ext>
+            </a:extLst>
+          </a:blip>
+          <a:stretch>
+            <a:fillRect/>
+          </a:stretch>
+        </p:blipFill>
+        <p:spPr>
+          <a:xfrm>
+            <a:off x="0" y="0"/>
+            <a:ext cx="12192000" cy="6858000"/>
+          </a:xfrm>
+          <a:prstGeom prst="rect">
+            <a:avLst/>
+          </a:prstGeom>
+        </p:spPr>
+      </p:pic>
+      <p:sp>
+        <p:nvSpPr>
+          <p:cNvPr id="3" name="TextBox 2"/>
+          <p:cNvSpPr txBox="1"/>
+          <p:nvPr/>
+        </p:nvSpPr>
+        <p:spPr>
+          <a:xfrm>
+            <a:off x="407694" y="2597595"/>
+            <a:ext cx="5812555" cy="923330"/>
+          </a:xfrm>
+          <a:prstGeom prst="rect">
+            <a:avLst/>
+          </a:prstGeom>
+          <a:noFill/>
+        </p:spPr>
+        <p:txBody>
+          <a:bodyPr wrap="square" rtlCol="0">
+            <a:spAutoFit/>
+          </a:bodyPr>
+          <a:lstStyle/>
+          <a:p>
+            <a:r>
+              <a:rPr lang="ko-KR" altLang="en-US" sz="5400" dirty="0" smtClean="0">
+                <a:solidFill>
+                  <a:schemeClr val="bg1"/>
+                </a:solidFill>
+              </a:rPr>
+              <a:t>감사합니다</a:t>
+            </a:r>
+            <a:endParaRPr lang="ko-KR" altLang="en-US" sz="5400" dirty="0">
+              <a:solidFill>
+                <a:schemeClr val="bg1"/>
+              </a:solidFill>
+            </a:endParaRPr>
+          </a:p>
+        </p:txBody>
+      </p:sp>
+      <p:cxnSp>
+        <p:nvCxnSpPr>
+          <p:cNvPr id="4" name="직선 연결선 3">
+            <a:extLst>
+              <a:ext uri="{FF2B5EF4-FFF2-40B4-BE49-F238E27FC236}">
+                <a16:creationId xmlns:a16="http://schemas.microsoft.com/office/drawing/2014/main" id="{2A958869-71E3-0225-E243-1E0EE24BAAAC}"/>
+              </a:ext>
+            </a:extLst>
+          </p:cNvPr>
+          <p:cNvCxnSpPr>
+            <a:cxnSpLocks/>
+          </p:cNvCxnSpPr>
+          <p:nvPr/>
+        </p:nvCxnSpPr>
+        <p:spPr>
+          <a:xfrm>
+            <a:off x="75275" y="2388706"/>
+            <a:ext cx="11505184" cy="0"/>
+          </a:xfrm>
+          <a:prstGeom prst="line">
+            <a:avLst/>
+          </a:prstGeom>
+          <a:ln w="9525">
+            <a:solidFill>
+              <a:schemeClr val="bg1"/>
+            </a:solidFill>
+          </a:ln>
+        </p:spPr>
+        <p:style>
+          <a:lnRef idx="1">
+            <a:schemeClr val="accent1"/>
+          </a:lnRef>
+          <a:fillRef idx="0">
+            <a:schemeClr val="accent1"/>
+          </a:fillRef>
+          <a:effectRef idx="0">
+            <a:schemeClr val="accent1"/>
+          </a:effectRef>
+          <a:fontRef idx="minor">
+            <a:schemeClr val="tx1"/>
+          </a:fontRef>
+        </p:style>
+      </p:cxnSp>
+    </p:spTree>
+    <p:extLst>
+      <p:ext uri="{BB962C8B-B14F-4D97-AF65-F5344CB8AC3E}">
+        <p14:creationId xmlns:p14="http://schemas.microsoft.com/office/powerpoint/2010/main" val="545924590"/>
+      </p:ext>
+    </p:extLst>
+  </p:cSld>
+  <p:clrMapOvr>
+    <a:masterClrMapping/>
+  </p:clrMapOvr>
 </p:sld>
 </file>
 
@@ -6409,7 +7039,7 @@
                 <a14:useLocalDpi xmlns:a14="http://schemas.microsoft.com/office/drawing/2010/main" val="0"/>
               </a:ext>
               <a:ext uri="{96DAC541-7B7A-43D3-8B79-37D633B846F1}">
-                <asvg:svgBlip xmlns="" xmlns:asvg="http://schemas.microsoft.com/office/drawing/2016/SVG/main" r:embed="rId3"/>
+                <asvg:svgBlip xmlns:asvg="http://schemas.microsoft.com/office/drawing/2016/SVG/main" xmlns="" r:embed="rId3"/>
               </a:ext>
             </a:extLst>
           </a:blip>
@@ -7091,11 +7721,7 @@
           <a:p>
             <a:r>
               <a:rPr lang="ko-KR" altLang="en-US" sz="2400" spc="-300" dirty="0" smtClean="0"/>
-              <a:t>시퀀스</a:t>
-            </a:r>
-            <a:r>
-              <a:rPr lang="ko-KR" altLang="en-US" sz="2400" spc="-300" dirty="0" smtClean="0"/>
-              <a:t> 다이어그램</a:t>
+              <a:t>시퀀스 다이어그램</a:t>
             </a:r>
             <a:endParaRPr lang="ko-KR" altLang="en-US" sz="2400" spc="-300" dirty="0"/>
           </a:p>
@@ -7685,7 +8311,7 @@
       </p:sp>
       <p:pic>
         <p:nvPicPr>
-          <p:cNvPr id="9" name="그림 8"/>
+          <p:cNvPr id="3" name="그림 2"/>
           <p:cNvPicPr>
             <a:picLocks noChangeAspect="1"/>
           </p:cNvPicPr>
@@ -7699,8 +8325,8 @@
         </p:blipFill>
         <p:spPr>
           <a:xfrm>
-            <a:off x="1641297" y="996801"/>
-            <a:ext cx="8255198" cy="5593933"/>
+            <a:off x="2018534" y="1527929"/>
+            <a:ext cx="6869200" cy="4088592"/>
           </a:xfrm>
           <a:prstGeom prst="rect">
             <a:avLst/>
@@ -7917,28 +8543,22 @@
       </p:sp>
       <p:pic>
         <p:nvPicPr>
-          <p:cNvPr id="8" name="그림 7"/>
+          <p:cNvPr id="3" name="그림 2"/>
           <p:cNvPicPr>
             <a:picLocks noChangeAspect="1"/>
           </p:cNvPicPr>
           <p:nvPr/>
         </p:nvPicPr>
         <p:blipFill>
-          <a:blip r:embed="rId2">
-            <a:extLst>
-              <a:ext uri="{28A0092B-C50C-407E-A947-70E740481C1C}">
-                <a14:useLocalDpi xmlns:a14="http://schemas.microsoft.com/office/drawing/2010/main" val="0"/>
-              </a:ext>
-            </a:extLst>
-          </a:blip>
+          <a:blip r:embed="rId2"/>
           <a:stretch>
             <a:fillRect/>
           </a:stretch>
         </p:blipFill>
         <p:spPr>
           <a:xfrm>
-            <a:off x="804333" y="1363132"/>
-            <a:ext cx="10676467" cy="4732867"/>
+            <a:off x="1515534" y="1023153"/>
+            <a:ext cx="9544629" cy="5209791"/>
           </a:xfrm>
           <a:prstGeom prst="rect">
             <a:avLst/>
@@ -8147,28 +8767,22 @@
       </p:sp>
       <p:pic>
         <p:nvPicPr>
-          <p:cNvPr id="3" name="그림 2"/>
+          <p:cNvPr id="7" name="그림 6"/>
           <p:cNvPicPr>
             <a:picLocks noChangeAspect="1"/>
           </p:cNvPicPr>
           <p:nvPr/>
         </p:nvPicPr>
         <p:blipFill>
-          <a:blip r:embed="rId2">
-            <a:extLst>
-              <a:ext uri="{28A0092B-C50C-407E-A947-70E740481C1C}">
-                <a14:useLocalDpi xmlns:a14="http://schemas.microsoft.com/office/drawing/2010/main" val="0"/>
-              </a:ext>
-            </a:extLst>
-          </a:blip>
+          <a:blip r:embed="rId2"/>
           <a:stretch>
             <a:fillRect/>
           </a:stretch>
         </p:blipFill>
         <p:spPr>
           <a:xfrm>
-            <a:off x="559419" y="1257384"/>
-            <a:ext cx="9940625" cy="5151882"/>
+            <a:off x="2679134" y="868620"/>
+            <a:ext cx="5669904" cy="5735888"/>
           </a:xfrm>
           <a:prstGeom prst="rect">
             <a:avLst/>

--- a/파워포인트.pptx
+++ b/파워포인트.pptx
@@ -286,7 +286,7 @@
           <a:p>
             <a:fld id="{D81F6A0F-3B97-4D8F-957A-977AD0ADBB82}" type="datetimeFigureOut">
               <a:rPr lang="ko-KR" altLang="en-US" smtClean="0"/>
-              <a:t>2023-05-13</a:t>
+              <a:t>2023-05-15</a:t>
             </a:fld>
             <a:endParaRPr lang="ko-KR" altLang="en-US"/>
           </a:p>
@@ -574,7 +574,7 @@
           <a:p>
             <a:fld id="{D81F6A0F-3B97-4D8F-957A-977AD0ADBB82}" type="datetimeFigureOut">
               <a:rPr lang="ko-KR" altLang="en-US" smtClean="0"/>
-              <a:t>2023-05-13</a:t>
+              <a:t>2023-05-15</a:t>
             </a:fld>
             <a:endParaRPr lang="ko-KR" altLang="en-US"/>
           </a:p>
@@ -772,7 +772,7 @@
           <a:p>
             <a:fld id="{D81F6A0F-3B97-4D8F-957A-977AD0ADBB82}" type="datetimeFigureOut">
               <a:rPr lang="ko-KR" altLang="en-US" smtClean="0"/>
-              <a:t>2023-05-13</a:t>
+              <a:t>2023-05-15</a:t>
             </a:fld>
             <a:endParaRPr lang="ko-KR" altLang="en-US"/>
           </a:p>
@@ -980,7 +980,7 @@
           <a:p>
             <a:fld id="{D81F6A0F-3B97-4D8F-957A-977AD0ADBB82}" type="datetimeFigureOut">
               <a:rPr lang="ko-KR" altLang="en-US" smtClean="0"/>
-              <a:t>2023-05-13</a:t>
+              <a:t>2023-05-15</a:t>
             </a:fld>
             <a:endParaRPr lang="ko-KR" altLang="en-US"/>
           </a:p>
@@ -1178,7 +1178,7 @@
           <a:p>
             <a:fld id="{D81F6A0F-3B97-4D8F-957A-977AD0ADBB82}" type="datetimeFigureOut">
               <a:rPr lang="ko-KR" altLang="en-US" smtClean="0"/>
-              <a:t>2023-05-13</a:t>
+              <a:t>2023-05-15</a:t>
             </a:fld>
             <a:endParaRPr lang="ko-KR" altLang="en-US"/>
           </a:p>
@@ -1453,7 +1453,7 @@
           <a:p>
             <a:fld id="{D81F6A0F-3B97-4D8F-957A-977AD0ADBB82}" type="datetimeFigureOut">
               <a:rPr lang="ko-KR" altLang="en-US" smtClean="0"/>
-              <a:t>2023-05-13</a:t>
+              <a:t>2023-05-15</a:t>
             </a:fld>
             <a:endParaRPr lang="ko-KR" altLang="en-US"/>
           </a:p>
@@ -1718,7 +1718,7 @@
           <a:p>
             <a:fld id="{D81F6A0F-3B97-4D8F-957A-977AD0ADBB82}" type="datetimeFigureOut">
               <a:rPr lang="ko-KR" altLang="en-US" smtClean="0"/>
-              <a:t>2023-05-13</a:t>
+              <a:t>2023-05-15</a:t>
             </a:fld>
             <a:endParaRPr lang="ko-KR" altLang="en-US"/>
           </a:p>
@@ -2130,7 +2130,7 @@
           <a:p>
             <a:fld id="{D81F6A0F-3B97-4D8F-957A-977AD0ADBB82}" type="datetimeFigureOut">
               <a:rPr lang="ko-KR" altLang="en-US" smtClean="0"/>
-              <a:t>2023-05-13</a:t>
+              <a:t>2023-05-15</a:t>
             </a:fld>
             <a:endParaRPr lang="ko-KR" altLang="en-US"/>
           </a:p>
@@ -2271,7 +2271,7 @@
           <a:p>
             <a:fld id="{D81F6A0F-3B97-4D8F-957A-977AD0ADBB82}" type="datetimeFigureOut">
               <a:rPr lang="ko-KR" altLang="en-US" smtClean="0"/>
-              <a:t>2023-05-13</a:t>
+              <a:t>2023-05-15</a:t>
             </a:fld>
             <a:endParaRPr lang="ko-KR" altLang="en-US"/>
           </a:p>
@@ -2473,7 +2473,7 @@
           <a:p>
             <a:fld id="{D81F6A0F-3B97-4D8F-957A-977AD0ADBB82}" type="datetimeFigureOut">
               <a:rPr lang="ko-KR" altLang="en-US" smtClean="0"/>
-              <a:t>2023-05-13</a:t>
+              <a:t>2023-05-15</a:t>
             </a:fld>
             <a:endParaRPr lang="ko-KR" altLang="en-US"/>
           </a:p>
@@ -2675,7 +2675,7 @@
           <a:p>
             <a:fld id="{D81F6A0F-3B97-4D8F-957A-977AD0ADBB82}" type="datetimeFigureOut">
               <a:rPr lang="ko-KR" altLang="en-US" smtClean="0"/>
-              <a:t>2023-05-13</a:t>
+              <a:t>2023-05-15</a:t>
             </a:fld>
             <a:endParaRPr lang="ko-KR" altLang="en-US"/>
           </a:p>
@@ -2986,7 +2986,7 @@
           <a:p>
             <a:fld id="{D81F6A0F-3B97-4D8F-957A-977AD0ADBB82}" type="datetimeFigureOut">
               <a:rPr lang="ko-KR" altLang="en-US" smtClean="0"/>
-              <a:t>2023-05-13</a:t>
+              <a:t>2023-05-15</a:t>
             </a:fld>
             <a:endParaRPr lang="ko-KR" altLang="en-US"/>
           </a:p>
@@ -3227,7 +3227,7 @@
           <a:p>
             <a:fld id="{D81F6A0F-3B97-4D8F-957A-977AD0ADBB82}" type="datetimeFigureOut">
               <a:rPr lang="ko-KR" altLang="en-US" smtClean="0"/>
-              <a:t>2023-05-13</a:t>
+              <a:t>2023-05-15</a:t>
             </a:fld>
             <a:endParaRPr lang="ko-KR" altLang="en-US"/>
           </a:p>
@@ -5905,8 +5905,12 @@
           </a:p>
           <a:p>
             <a:r>
+              <a:rPr lang="en-US" altLang="ko-KR" sz="1600" dirty="0" err="1" smtClean="0"/>
+              <a:t>Connetion</a:t>
+            </a:r>
+            <a:r>
               <a:rPr lang="en-US" altLang="ko-KR" sz="1600" dirty="0" smtClean="0"/>
-              <a:t>CONNETION CONN = </a:t>
+              <a:t> CONN = </a:t>
             </a:r>
             <a:r>
               <a:rPr lang="en-US" altLang="ko-KR" sz="1600" dirty="0" err="1" smtClean="0"/>
@@ -5920,8 +5924,12 @@
           </a:p>
           <a:p>
             <a:r>
+              <a:rPr lang="en-US" altLang="ko-KR" sz="1600" dirty="0" err="1" smtClean="0"/>
+              <a:t>Statemenet</a:t>
+            </a:r>
+            <a:r>
               <a:rPr lang="en-US" altLang="ko-KR" sz="1600" dirty="0" smtClean="0"/>
-              <a:t>STATEMNET STMT = </a:t>
+              <a:t> STMT = </a:t>
             </a:r>
             <a:r>
               <a:rPr lang="ko-KR" altLang="en-US" sz="1600" dirty="0" smtClean="0"/>
@@ -5943,8 +5951,12 @@
           </a:p>
           <a:p>
             <a:r>
+              <a:rPr lang="en-US" altLang="ko-KR" sz="1600" dirty="0" err="1" smtClean="0"/>
+              <a:t>RseultSet</a:t>
+            </a:r>
+            <a:r>
               <a:rPr lang="en-US" altLang="ko-KR" sz="1600" dirty="0" smtClean="0"/>
-              <a:t>RESULTSET RS =</a:t>
+              <a:t> RS =</a:t>
             </a:r>
             <a:r>
               <a:rPr lang="ko-KR" altLang="en-US" sz="1600" dirty="0" err="1" smtClean="0"/>
@@ -9029,7 +9041,7 @@
       </p:sp>
       <p:pic>
         <p:nvPicPr>
-          <p:cNvPr id="2" name="그림 1"/>
+          <p:cNvPr id="3" name="그림 2"/>
           <p:cNvPicPr>
             <a:picLocks noChangeAspect="1"/>
           </p:cNvPicPr>
@@ -9043,8 +9055,8 @@
         </p:blipFill>
         <p:spPr>
           <a:xfrm>
-            <a:off x="363448" y="1069766"/>
-            <a:ext cx="4581996" cy="4611367"/>
+            <a:off x="5388088" y="1069766"/>
+            <a:ext cx="5953956" cy="2460834"/>
           </a:xfrm>
           <a:prstGeom prst="rect">
             <a:avLst/>
@@ -9053,7 +9065,7 @@
       </p:pic>
       <p:pic>
         <p:nvPicPr>
-          <p:cNvPr id="3" name="그림 2"/>
+          <p:cNvPr id="7" name="그림 6"/>
           <p:cNvPicPr>
             <a:picLocks noChangeAspect="1"/>
           </p:cNvPicPr>
@@ -9067,8 +9079,8 @@
         </p:blipFill>
         <p:spPr>
           <a:xfrm>
-            <a:off x="5388088" y="1069766"/>
-            <a:ext cx="5953956" cy="2460834"/>
+            <a:off x="0" y="1191886"/>
+            <a:ext cx="5112327" cy="4677428"/>
           </a:xfrm>
           <a:prstGeom prst="rect">
             <a:avLst/>
